--- a/SUSUNAN ACARA PRESENTASI.pptx
+++ b/SUSUNAN ACARA PRESENTASI.pptx
@@ -5704,49 +5704,49 @@
             <a:pPr lvl="1"/>
             <a:r>
               <a:rPr lang="en-US" sz="1600" dirty="0"/>
-              <a:t>DEMO REGISTRASI PASANG IKLAN USER2</a:t>
+              <a:t>DEMO REGISTRASI PASANG IKLAN USER3</a:t>
             </a:r>
           </a:p>
           <a:p>
             <a:pPr lvl="1"/>
             <a:r>
               <a:rPr lang="en-US" sz="1600" dirty="0"/>
-              <a:t>DEMO UPDATE PASANG IKLAN USER2</a:t>
+              <a:t>DEMO UPDATE PASANG IKLAN USER3</a:t>
             </a:r>
           </a:p>
           <a:p>
             <a:pPr lvl="1"/>
             <a:r>
               <a:rPr lang="en-US" sz="1600" dirty="0"/>
-              <a:t>DEMO DELETE PASANG IKLAN USER2</a:t>
+              <a:t>DEMO DELETE PASANG IKLAN USER3</a:t>
             </a:r>
           </a:p>
           <a:p>
             <a:pPr lvl="1"/>
             <a:r>
               <a:rPr lang="en-US" sz="1600" dirty="0"/>
-              <a:t>DEMO DAFTAR KURSUS USER3 (1)</a:t>
+              <a:t>DEMO DAFTAR KURSUS USER2 (1)</a:t>
             </a:r>
           </a:p>
           <a:p>
             <a:pPr lvl="1"/>
             <a:r>
               <a:rPr lang="en-US" sz="1600" dirty="0"/>
-              <a:t>DEMO DELETE DAFTAR KUSRSUS USER3</a:t>
+              <a:t>DEMO DELETE DAFTAR KUSRSUS USER2</a:t>
             </a:r>
           </a:p>
           <a:p>
             <a:pPr lvl="1"/>
             <a:r>
               <a:rPr lang="en-US" sz="1600" dirty="0"/>
-              <a:t>DEMO DAFTAR KURSUS USER3 (2)</a:t>
+              <a:t>DEMO DAFTAR KURSUS USER2 (2)</a:t>
             </a:r>
           </a:p>
           <a:p>
             <a:pPr lvl="1"/>
             <a:r>
               <a:rPr lang="en-US" sz="1600" dirty="0"/>
-              <a:t>DEMO DELETE DAFTAR KURSUS USER2</a:t>
+              <a:t>DEMO DELETE DAFTAR KURSUS USER3</a:t>
             </a:r>
           </a:p>
           <a:p>

--- a/SUSUNAN ACARA PRESENTASI.pptx
+++ b/SUSUNAN ACARA PRESENTASI.pptx
@@ -5571,7 +5571,7 @@
           <a:p>
             <a:pPr algn="ctr"/>
             <a:r>
-              <a:rPr lang="en-US" sz="2400">
+              <a:rPr lang="en-US" sz="2400" dirty="0">
                 <a:effectLst>
                   <a:outerShdw blurRad="38100" dist="38100" dir="2700000" algn="tl">
                     <a:srgbClr val="000000">
@@ -5582,15 +5582,6 @@
               </a:rPr>
               <a:t>SUSUNAN ACARA PRESENTASI</a:t>
             </a:r>
-            <a:endParaRPr lang="en-US" sz="2400" dirty="0">
-              <a:effectLst>
-                <a:outerShdw blurRad="38100" dist="38100" dir="2700000" algn="tl">
-                  <a:srgbClr val="000000">
-                    <a:alpha val="43137"/>
-                  </a:srgbClr>
-                </a:outerShdw>
-              </a:effectLst>
-            </a:endParaRPr>
           </a:p>
         </p:txBody>
       </p:sp>
@@ -5699,27 +5690,7 @@
               <a:rPr lang="en-US" sz="2400" dirty="0"/>
               <a:t>MENU KURSUS</a:t>
             </a:r>
-          </a:p>
-          <a:p>
-            <a:pPr lvl="1"/>
-            <a:r>
-              <a:rPr lang="en-US" sz="1600" dirty="0"/>
-              <a:t>DEMO REGISTRASI PASANG IKLAN USER3</a:t>
-            </a:r>
-          </a:p>
-          <a:p>
-            <a:pPr lvl="1"/>
-            <a:r>
-              <a:rPr lang="en-US" sz="1600" dirty="0"/>
-              <a:t>DEMO UPDATE PASANG IKLAN USER3</a:t>
-            </a:r>
-          </a:p>
-          <a:p>
-            <a:pPr lvl="1"/>
-            <a:r>
-              <a:rPr lang="en-US" sz="1600" dirty="0"/>
-              <a:t>DEMO DELETE PASANG IKLAN USER3</a:t>
-            </a:r>
+            <a:endParaRPr lang="en-US" sz="1600" dirty="0"/>
           </a:p>
           <a:p>
             <a:pPr lvl="1"/>
@@ -5732,14 +5703,14 @@
             <a:pPr lvl="1"/>
             <a:r>
               <a:rPr lang="en-US" sz="1600" dirty="0"/>
-              <a:t>DEMO DELETE DAFTAR KUSRSUS USER2</a:t>
+              <a:t>DEMO DAFTAR KURSUS USER2 (2)</a:t>
             </a:r>
           </a:p>
           <a:p>
             <a:pPr lvl="1"/>
             <a:r>
               <a:rPr lang="en-US" sz="1600" dirty="0"/>
-              <a:t>DEMO DAFTAR KURSUS USER2 (2)</a:t>
+              <a:t>DEMO DELETE DAFTAR KUSRSUS USER2</a:t>
             </a:r>
           </a:p>
           <a:p>
